--- a/images/book_images.pptx
+++ b/images/book_images.pptx
@@ -11,6 +11,8 @@
     <p:sldId id="259" r:id="rId5"/>
     <p:sldId id="260" r:id="rId6"/>
     <p:sldId id="261" r:id="rId7"/>
+    <p:sldId id="262" r:id="rId8"/>
+    <p:sldId id="263" r:id="rId9"/>
   </p:sldIdLst>
   <p:sldSz cx="12192000" cy="6858000"/>
   <p:notesSz cx="6858000" cy="9144000"/>
@@ -130,6 +132,213 @@
 
 <file path=ppt/changesInfos/changesInfo1.xml><?xml version="1.0" encoding="utf-8"?>
 <pc:chgInfo xmlns:a="http://schemas.openxmlformats.org/drawingml/2006/main" xmlns:r="http://schemas.openxmlformats.org/officeDocument/2006/relationships" xmlns:ac="http://schemas.microsoft.com/office/drawing/2013/main/command" xmlns:pc="http://schemas.microsoft.com/office/powerpoint/2013/main/command">
+  <pc:docChgLst>
+    <pc:chgData name="Torres Ortega, Saul" userId="8cfe82a1-d713-4d32-9ea3-7f12f568bbb2" providerId="ADAL" clId="{6B3F9E63-A7B5-4C02-A4ED-FCD210298CF0}"/>
+    <pc:docChg chg="undo custSel addSld modSld">
+      <pc:chgData name="Torres Ortega, Saul" userId="8cfe82a1-d713-4d32-9ea3-7f12f568bbb2" providerId="ADAL" clId="{6B3F9E63-A7B5-4C02-A4ED-FCD210298CF0}" dt="2021-04-02T07:31:23.750" v="63" actId="166"/>
+      <pc:docMkLst>
+        <pc:docMk/>
+      </pc:docMkLst>
+      <pc:sldChg chg="addSp modSp new mod">
+        <pc:chgData name="Torres Ortega, Saul" userId="8cfe82a1-d713-4d32-9ea3-7f12f568bbb2" providerId="ADAL" clId="{6B3F9E63-A7B5-4C02-A4ED-FCD210298CF0}" dt="2021-04-02T07:24:30.063" v="34" actId="1076"/>
+        <pc:sldMkLst>
+          <pc:docMk/>
+          <pc:sldMk cId="2435182353" sldId="262"/>
+        </pc:sldMkLst>
+        <pc:spChg chg="add mod">
+          <ac:chgData name="Torres Ortega, Saul" userId="8cfe82a1-d713-4d32-9ea3-7f12f568bbb2" providerId="ADAL" clId="{6B3F9E63-A7B5-4C02-A4ED-FCD210298CF0}" dt="2021-04-02T07:24:04.150" v="29" actId="1076"/>
+          <ac:spMkLst>
+            <pc:docMk/>
+            <pc:sldMk cId="2435182353" sldId="262"/>
+            <ac:spMk id="4" creationId="{2E9D644E-BCAB-406F-A946-A9B22E96EDAD}"/>
+          </ac:spMkLst>
+        </pc:spChg>
+        <pc:spChg chg="add mod">
+          <ac:chgData name="Torres Ortega, Saul" userId="8cfe82a1-d713-4d32-9ea3-7f12f568bbb2" providerId="ADAL" clId="{6B3F9E63-A7B5-4C02-A4ED-FCD210298CF0}" dt="2021-04-02T07:24:30.063" v="34" actId="1076"/>
+          <ac:spMkLst>
+            <pc:docMk/>
+            <pc:sldMk cId="2435182353" sldId="262"/>
+            <ac:spMk id="5" creationId="{B422B869-2B23-4777-BB66-7EF4F56750E6}"/>
+          </ac:spMkLst>
+        </pc:spChg>
+        <pc:spChg chg="add mod ord">
+          <ac:chgData name="Torres Ortega, Saul" userId="8cfe82a1-d713-4d32-9ea3-7f12f568bbb2" providerId="ADAL" clId="{6B3F9E63-A7B5-4C02-A4ED-FCD210298CF0}" dt="2021-04-02T07:23:25.550" v="22" actId="1076"/>
+          <ac:spMkLst>
+            <pc:docMk/>
+            <pc:sldMk cId="2435182353" sldId="262"/>
+            <ac:spMk id="6" creationId="{B9EBD027-15DE-4783-9C2D-7E9576425935}"/>
+          </ac:spMkLst>
+        </pc:spChg>
+        <pc:spChg chg="add mod">
+          <ac:chgData name="Torres Ortega, Saul" userId="8cfe82a1-d713-4d32-9ea3-7f12f568bbb2" providerId="ADAL" clId="{6B3F9E63-A7B5-4C02-A4ED-FCD210298CF0}" dt="2021-04-02T07:22:56.603" v="12" actId="255"/>
+          <ac:spMkLst>
+            <pc:docMk/>
+            <pc:sldMk cId="2435182353" sldId="262"/>
+            <ac:spMk id="7" creationId="{B18D3976-8147-497A-B460-C06A9D949F4B}"/>
+          </ac:spMkLst>
+        </pc:spChg>
+        <pc:spChg chg="add mod">
+          <ac:chgData name="Torres Ortega, Saul" userId="8cfe82a1-d713-4d32-9ea3-7f12f568bbb2" providerId="ADAL" clId="{6B3F9E63-A7B5-4C02-A4ED-FCD210298CF0}" dt="2021-04-02T07:24:18.903" v="32" actId="1076"/>
+          <ac:spMkLst>
+            <pc:docMk/>
+            <pc:sldMk cId="2435182353" sldId="262"/>
+            <ac:spMk id="8" creationId="{43D194D0-A258-4B7B-B087-D6DB8AA32534}"/>
+          </ac:spMkLst>
+        </pc:spChg>
+        <pc:spChg chg="add mod">
+          <ac:chgData name="Torres Ortega, Saul" userId="8cfe82a1-d713-4d32-9ea3-7f12f568bbb2" providerId="ADAL" clId="{6B3F9E63-A7B5-4C02-A4ED-FCD210298CF0}" dt="2021-04-02T07:24:24.286" v="33" actId="1076"/>
+          <ac:spMkLst>
+            <pc:docMk/>
+            <pc:sldMk cId="2435182353" sldId="262"/>
+            <ac:spMk id="9" creationId="{CDF1C276-ABCB-4428-8E49-4CF090616D9A}"/>
+          </ac:spMkLst>
+        </pc:spChg>
+        <pc:spChg chg="add mod">
+          <ac:chgData name="Torres Ortega, Saul" userId="8cfe82a1-d713-4d32-9ea3-7f12f568bbb2" providerId="ADAL" clId="{6B3F9E63-A7B5-4C02-A4ED-FCD210298CF0}" dt="2021-04-02T07:23:31.549" v="23" actId="1076"/>
+          <ac:spMkLst>
+            <pc:docMk/>
+            <pc:sldMk cId="2435182353" sldId="262"/>
+            <ac:spMk id="10" creationId="{FE67E8E3-5088-4ABF-B031-D3B8F53C1D2A}"/>
+          </ac:spMkLst>
+        </pc:spChg>
+        <pc:spChg chg="add mod">
+          <ac:chgData name="Torres Ortega, Saul" userId="8cfe82a1-d713-4d32-9ea3-7f12f568bbb2" providerId="ADAL" clId="{6B3F9E63-A7B5-4C02-A4ED-FCD210298CF0}" dt="2021-04-02T07:23:41.744" v="25" actId="1076"/>
+          <ac:spMkLst>
+            <pc:docMk/>
+            <pc:sldMk cId="2435182353" sldId="262"/>
+            <ac:spMk id="11" creationId="{E953EA7B-F259-45D5-9AF2-411E279A26E4}"/>
+          </ac:spMkLst>
+        </pc:spChg>
+        <pc:spChg chg="add mod">
+          <ac:chgData name="Torres Ortega, Saul" userId="8cfe82a1-d713-4d32-9ea3-7f12f568bbb2" providerId="ADAL" clId="{6B3F9E63-A7B5-4C02-A4ED-FCD210298CF0}" dt="2021-04-02T07:23:17.316" v="18" actId="1076"/>
+          <ac:spMkLst>
+            <pc:docMk/>
+            <pc:sldMk cId="2435182353" sldId="262"/>
+            <ac:spMk id="12" creationId="{0AED4079-387E-4DD7-B263-52F9BFF39DF2}"/>
+          </ac:spMkLst>
+        </pc:spChg>
+        <pc:cxnChg chg="add mod">
+          <ac:chgData name="Torres Ortega, Saul" userId="8cfe82a1-d713-4d32-9ea3-7f12f568bbb2" providerId="ADAL" clId="{6B3F9E63-A7B5-4C02-A4ED-FCD210298CF0}" dt="2021-04-02T07:23:55.698" v="27" actId="14100"/>
+          <ac:cxnSpMkLst>
+            <pc:docMk/>
+            <pc:sldMk cId="2435182353" sldId="262"/>
+            <ac:cxnSpMk id="2" creationId="{64CF160E-E559-4180-8756-9C425668637A}"/>
+          </ac:cxnSpMkLst>
+        </pc:cxnChg>
+        <pc:cxnChg chg="add mod">
+          <ac:chgData name="Torres Ortega, Saul" userId="8cfe82a1-d713-4d32-9ea3-7f12f568bbb2" providerId="ADAL" clId="{6B3F9E63-A7B5-4C02-A4ED-FCD210298CF0}" dt="2021-04-02T07:24:24.286" v="33" actId="1076"/>
+          <ac:cxnSpMkLst>
+            <pc:docMk/>
+            <pc:sldMk cId="2435182353" sldId="262"/>
+            <ac:cxnSpMk id="3" creationId="{9C0933D4-F445-4B5B-AC53-9F8F727F639B}"/>
+          </ac:cxnSpMkLst>
+        </pc:cxnChg>
+      </pc:sldChg>
+      <pc:sldChg chg="addSp modSp new mod">
+        <pc:chgData name="Torres Ortega, Saul" userId="8cfe82a1-d713-4d32-9ea3-7f12f568bbb2" providerId="ADAL" clId="{6B3F9E63-A7B5-4C02-A4ED-FCD210298CF0}" dt="2021-04-02T07:31:23.750" v="63" actId="166"/>
+        <pc:sldMkLst>
+          <pc:docMk/>
+          <pc:sldMk cId="1645372752" sldId="263"/>
+        </pc:sldMkLst>
+        <pc:spChg chg="add mod">
+          <ac:chgData name="Torres Ortega, Saul" userId="8cfe82a1-d713-4d32-9ea3-7f12f568bbb2" providerId="ADAL" clId="{6B3F9E63-A7B5-4C02-A4ED-FCD210298CF0}" dt="2021-04-02T07:28:51.813" v="44" actId="2085"/>
+          <ac:spMkLst>
+            <pc:docMk/>
+            <pc:sldMk cId="1645372752" sldId="263"/>
+            <ac:spMk id="2" creationId="{BA868E78-CC1E-4E73-82D7-0CF015632A17}"/>
+          </ac:spMkLst>
+        </pc:spChg>
+        <pc:spChg chg="add mod">
+          <ac:chgData name="Torres Ortega, Saul" userId="8cfe82a1-d713-4d32-9ea3-7f12f568bbb2" providerId="ADAL" clId="{6B3F9E63-A7B5-4C02-A4ED-FCD210298CF0}" dt="2021-04-02T07:31:13.311" v="62" actId="208"/>
+          <ac:spMkLst>
+            <pc:docMk/>
+            <pc:sldMk cId="1645372752" sldId="263"/>
+            <ac:spMk id="3" creationId="{AC106670-6E5E-421E-9C32-B701297F2B3C}"/>
+          </ac:spMkLst>
+        </pc:spChg>
+        <pc:spChg chg="add mod">
+          <ac:chgData name="Torres Ortega, Saul" userId="8cfe82a1-d713-4d32-9ea3-7f12f568bbb2" providerId="ADAL" clId="{6B3F9E63-A7B5-4C02-A4ED-FCD210298CF0}" dt="2021-04-02T07:31:13.311" v="62" actId="208"/>
+          <ac:spMkLst>
+            <pc:docMk/>
+            <pc:sldMk cId="1645372752" sldId="263"/>
+            <ac:spMk id="4" creationId="{4B98F8AE-F161-4B68-9E7D-5D99C6BE0D1F}"/>
+          </ac:spMkLst>
+        </pc:spChg>
+        <pc:spChg chg="add mod">
+          <ac:chgData name="Torres Ortega, Saul" userId="8cfe82a1-d713-4d32-9ea3-7f12f568bbb2" providerId="ADAL" clId="{6B3F9E63-A7B5-4C02-A4ED-FCD210298CF0}" dt="2021-04-02T07:31:13.311" v="62" actId="208"/>
+          <ac:spMkLst>
+            <pc:docMk/>
+            <pc:sldMk cId="1645372752" sldId="263"/>
+            <ac:spMk id="5" creationId="{1D4700BA-AB2C-41AC-9257-34952C0F243B}"/>
+          </ac:spMkLst>
+        </pc:spChg>
+        <pc:spChg chg="add mod">
+          <ac:chgData name="Torres Ortega, Saul" userId="8cfe82a1-d713-4d32-9ea3-7f12f568bbb2" providerId="ADAL" clId="{6B3F9E63-A7B5-4C02-A4ED-FCD210298CF0}" dt="2021-04-02T07:28:51.813" v="44" actId="2085"/>
+          <ac:spMkLst>
+            <pc:docMk/>
+            <pc:sldMk cId="1645372752" sldId="263"/>
+            <ac:spMk id="6" creationId="{F4DC5329-05C3-4B43-A61C-50A51B31A7C8}"/>
+          </ac:spMkLst>
+        </pc:spChg>
+        <pc:spChg chg="add mod">
+          <ac:chgData name="Torres Ortega, Saul" userId="8cfe82a1-d713-4d32-9ea3-7f12f568bbb2" providerId="ADAL" clId="{6B3F9E63-A7B5-4C02-A4ED-FCD210298CF0}" dt="2021-04-02T07:28:51.813" v="44" actId="2085"/>
+          <ac:spMkLst>
+            <pc:docMk/>
+            <pc:sldMk cId="1645372752" sldId="263"/>
+            <ac:spMk id="7" creationId="{206EEF40-6213-4AAC-BCD4-964AF501A51F}"/>
+          </ac:spMkLst>
+        </pc:spChg>
+        <pc:spChg chg="add mod ord">
+          <ac:chgData name="Torres Ortega, Saul" userId="8cfe82a1-d713-4d32-9ea3-7f12f568bbb2" providerId="ADAL" clId="{6B3F9E63-A7B5-4C02-A4ED-FCD210298CF0}" dt="2021-04-02T07:31:23.750" v="63" actId="166"/>
+          <ac:spMkLst>
+            <pc:docMk/>
+            <pc:sldMk cId="1645372752" sldId="263"/>
+            <ac:spMk id="8" creationId="{B9B13792-5639-4795-8267-ACF4162656C9}"/>
+          </ac:spMkLst>
+        </pc:spChg>
+        <pc:spChg chg="add mod ord">
+          <ac:chgData name="Torres Ortega, Saul" userId="8cfe82a1-d713-4d32-9ea3-7f12f568bbb2" providerId="ADAL" clId="{6B3F9E63-A7B5-4C02-A4ED-FCD210298CF0}" dt="2021-04-02T07:31:23.750" v="63" actId="166"/>
+          <ac:spMkLst>
+            <pc:docMk/>
+            <pc:sldMk cId="1645372752" sldId="263"/>
+            <ac:spMk id="9" creationId="{57EDF962-AD67-44D3-BC42-255C5E4B7489}"/>
+          </ac:spMkLst>
+        </pc:spChg>
+        <pc:spChg chg="add mod ord">
+          <ac:chgData name="Torres Ortega, Saul" userId="8cfe82a1-d713-4d32-9ea3-7f12f568bbb2" providerId="ADAL" clId="{6B3F9E63-A7B5-4C02-A4ED-FCD210298CF0}" dt="2021-04-02T07:31:23.750" v="63" actId="166"/>
+          <ac:spMkLst>
+            <pc:docMk/>
+            <pc:sldMk cId="1645372752" sldId="263"/>
+            <ac:spMk id="10" creationId="{8F0BA306-BDA0-4415-8431-A0133AC9361D}"/>
+          </ac:spMkLst>
+        </pc:spChg>
+        <pc:spChg chg="add mod">
+          <ac:chgData name="Torres Ortega, Saul" userId="8cfe82a1-d713-4d32-9ea3-7f12f568bbb2" providerId="ADAL" clId="{6B3F9E63-A7B5-4C02-A4ED-FCD210298CF0}" dt="2021-04-02T07:30:09.675" v="51" actId="1582"/>
+          <ac:spMkLst>
+            <pc:docMk/>
+            <pc:sldMk cId="1645372752" sldId="263"/>
+            <ac:spMk id="11" creationId="{6BE428D7-5789-4319-B378-DBF8713451B7}"/>
+          </ac:spMkLst>
+        </pc:spChg>
+        <pc:spChg chg="add mod">
+          <ac:chgData name="Torres Ortega, Saul" userId="8cfe82a1-d713-4d32-9ea3-7f12f568bbb2" providerId="ADAL" clId="{6B3F9E63-A7B5-4C02-A4ED-FCD210298CF0}" dt="2021-04-02T07:30:41.091" v="55" actId="1076"/>
+          <ac:spMkLst>
+            <pc:docMk/>
+            <pc:sldMk cId="1645372752" sldId="263"/>
+            <ac:spMk id="12" creationId="{0E25A5CE-1B34-4CC6-9368-385C17E474B8}"/>
+          </ac:spMkLst>
+        </pc:spChg>
+        <pc:spChg chg="add mod">
+          <ac:chgData name="Torres Ortega, Saul" userId="8cfe82a1-d713-4d32-9ea3-7f12f568bbb2" providerId="ADAL" clId="{6B3F9E63-A7B5-4C02-A4ED-FCD210298CF0}" dt="2021-04-02T07:30:51.078" v="57" actId="1076"/>
+          <ac:spMkLst>
+            <pc:docMk/>
+            <pc:sldMk cId="1645372752" sldId="263"/>
+            <ac:spMk id="13" creationId="{26F281B2-93F9-4DAA-803D-DA7D4C5F86DF}"/>
+          </ac:spMkLst>
+        </pc:spChg>
+      </pc:sldChg>
+    </pc:docChg>
+  </pc:docChgLst>
   <pc:docChgLst>
     <pc:chgData name="Torres Ortega, Saul" userId="8cfe82a1-d713-4d32-9ea3-7f12f568bbb2" providerId="ADAL" clId="{1D55A02A-48E6-48B3-9314-8AD7D34F6D48}"/>
     <pc:docChg chg="custSel addSld modSld">
@@ -821,7 +1030,7 @@
           <a:p>
             <a:fld id="{1ED93C6C-0997-4616-9E33-389D2BF5E093}" type="datetimeFigureOut">
               <a:rPr lang="es-ES" smtClean="0"/>
-              <a:t>20/08/2020</a:t>
+              <a:t>02/04/2021</a:t>
             </a:fld>
             <a:endParaRPr lang="es-ES"/>
           </a:p>
@@ -1019,7 +1228,7 @@
           <a:p>
             <a:fld id="{1ED93C6C-0997-4616-9E33-389D2BF5E093}" type="datetimeFigureOut">
               <a:rPr lang="es-ES" smtClean="0"/>
-              <a:t>20/08/2020</a:t>
+              <a:t>02/04/2021</a:t>
             </a:fld>
             <a:endParaRPr lang="es-ES"/>
           </a:p>
@@ -1227,7 +1436,7 @@
           <a:p>
             <a:fld id="{1ED93C6C-0997-4616-9E33-389D2BF5E093}" type="datetimeFigureOut">
               <a:rPr lang="es-ES" smtClean="0"/>
-              <a:t>20/08/2020</a:t>
+              <a:t>02/04/2021</a:t>
             </a:fld>
             <a:endParaRPr lang="es-ES"/>
           </a:p>
@@ -1425,7 +1634,7 @@
           <a:p>
             <a:fld id="{1ED93C6C-0997-4616-9E33-389D2BF5E093}" type="datetimeFigureOut">
               <a:rPr lang="es-ES" smtClean="0"/>
-              <a:t>20/08/2020</a:t>
+              <a:t>02/04/2021</a:t>
             </a:fld>
             <a:endParaRPr lang="es-ES"/>
           </a:p>
@@ -1700,7 +1909,7 @@
           <a:p>
             <a:fld id="{1ED93C6C-0997-4616-9E33-389D2BF5E093}" type="datetimeFigureOut">
               <a:rPr lang="es-ES" smtClean="0"/>
-              <a:t>20/08/2020</a:t>
+              <a:t>02/04/2021</a:t>
             </a:fld>
             <a:endParaRPr lang="es-ES"/>
           </a:p>
@@ -1965,7 +2174,7 @@
           <a:p>
             <a:fld id="{1ED93C6C-0997-4616-9E33-389D2BF5E093}" type="datetimeFigureOut">
               <a:rPr lang="es-ES" smtClean="0"/>
-              <a:t>20/08/2020</a:t>
+              <a:t>02/04/2021</a:t>
             </a:fld>
             <a:endParaRPr lang="es-ES"/>
           </a:p>
@@ -2377,7 +2586,7 @@
           <a:p>
             <a:fld id="{1ED93C6C-0997-4616-9E33-389D2BF5E093}" type="datetimeFigureOut">
               <a:rPr lang="es-ES" smtClean="0"/>
-              <a:t>20/08/2020</a:t>
+              <a:t>02/04/2021</a:t>
             </a:fld>
             <a:endParaRPr lang="es-ES"/>
           </a:p>
@@ -2518,7 +2727,7 @@
           <a:p>
             <a:fld id="{1ED93C6C-0997-4616-9E33-389D2BF5E093}" type="datetimeFigureOut">
               <a:rPr lang="es-ES" smtClean="0"/>
-              <a:t>20/08/2020</a:t>
+              <a:t>02/04/2021</a:t>
             </a:fld>
             <a:endParaRPr lang="es-ES"/>
           </a:p>
@@ -2631,7 +2840,7 @@
           <a:p>
             <a:fld id="{1ED93C6C-0997-4616-9E33-389D2BF5E093}" type="datetimeFigureOut">
               <a:rPr lang="es-ES" smtClean="0"/>
-              <a:t>20/08/2020</a:t>
+              <a:t>02/04/2021</a:t>
             </a:fld>
             <a:endParaRPr lang="es-ES"/>
           </a:p>
@@ -2942,7 +3151,7 @@
           <a:p>
             <a:fld id="{1ED93C6C-0997-4616-9E33-389D2BF5E093}" type="datetimeFigureOut">
               <a:rPr lang="es-ES" smtClean="0"/>
-              <a:t>20/08/2020</a:t>
+              <a:t>02/04/2021</a:t>
             </a:fld>
             <a:endParaRPr lang="es-ES"/>
           </a:p>
@@ -3230,7 +3439,7 @@
           <a:p>
             <a:fld id="{1ED93C6C-0997-4616-9E33-389D2BF5E093}" type="datetimeFigureOut">
               <a:rPr lang="es-ES" smtClean="0"/>
-              <a:t>20/08/2020</a:t>
+              <a:t>02/04/2021</a:t>
             </a:fld>
             <a:endParaRPr lang="es-ES"/>
           </a:p>
@@ -3471,7 +3680,7 @@
           <a:p>
             <a:fld id="{1ED93C6C-0997-4616-9E33-389D2BF5E093}" type="datetimeFigureOut">
               <a:rPr lang="es-ES" smtClean="0"/>
-              <a:t>20/08/2020</a:t>
+              <a:t>02/04/2021</a:t>
             </a:fld>
             <a:endParaRPr lang="es-ES"/>
           </a:p>
@@ -8403,6 +8612,1268 @@
 </p:sld>
 </file>
 
+<file path=ppt/slides/slide7.xml><?xml version="1.0" encoding="utf-8"?>
+<p:sld xmlns:a="http://schemas.openxmlformats.org/drawingml/2006/main" xmlns:r="http://schemas.openxmlformats.org/officeDocument/2006/relationships" xmlns:p="http://schemas.openxmlformats.org/presentationml/2006/main">
+  <p:cSld>
+    <p:spTree>
+      <p:nvGrpSpPr>
+        <p:cNvPr id="1" name=""/>
+        <p:cNvGrpSpPr/>
+        <p:nvPr/>
+      </p:nvGrpSpPr>
+      <p:grpSpPr>
+        <a:xfrm>
+          <a:off x="0" y="0"/>
+          <a:ext cx="0" cy="0"/>
+          <a:chOff x="0" y="0"/>
+          <a:chExt cx="0" cy="0"/>
+        </a:xfrm>
+      </p:grpSpPr>
+      <p:sp>
+        <p:nvSpPr>
+          <p:cNvPr id="6" name="9 Rectángulo">
+            <a:extLst>
+              <a:ext uri="{FF2B5EF4-FFF2-40B4-BE49-F238E27FC236}">
+                <a16:creationId xmlns:a16="http://schemas.microsoft.com/office/drawing/2014/main" id="{B9EBD027-15DE-4783-9C2D-7E9576425935}"/>
+              </a:ext>
+            </a:extLst>
+          </p:cNvPr>
+          <p:cNvSpPr/>
+          <p:nvPr/>
+        </p:nvSpPr>
+        <p:spPr>
+          <a:xfrm>
+            <a:off x="1726758" y="1049535"/>
+            <a:ext cx="5800715" cy="2933886"/>
+          </a:xfrm>
+          <a:prstGeom prst="rect">
+            <a:avLst/>
+          </a:prstGeom>
+          <a:solidFill>
+            <a:schemeClr val="accent5">
+              <a:lumMod val="20000"/>
+              <a:lumOff val="80000"/>
+            </a:schemeClr>
+          </a:solidFill>
+          <a:ln w="19050">
+            <a:solidFill>
+              <a:schemeClr val="tx1">
+                <a:lumMod val="65000"/>
+                <a:lumOff val="35000"/>
+              </a:schemeClr>
+            </a:solidFill>
+          </a:ln>
+        </p:spPr>
+        <p:txBody>
+          <a:bodyPr wrap="square" rtlCol="0">
+            <a:noAutofit/>
+          </a:bodyPr>
+          <a:lstStyle/>
+          <a:p>
+            <a:pPr algn="ctr"/>
+            <a:endParaRPr lang="es-ES" sz="2000" b="1" cap="small">
+              <a:solidFill>
+                <a:schemeClr val="tx1">
+                  <a:lumMod val="65000"/>
+                  <a:lumOff val="35000"/>
+                </a:schemeClr>
+              </a:solidFill>
+              <a:latin typeface="Franklin Gothic Medium Cond" panose="020B0606030402020204" pitchFamily="34" charset="0"/>
+            </a:endParaRPr>
+          </a:p>
+        </p:txBody>
+      </p:sp>
+      <p:cxnSp>
+        <p:nvCxnSpPr>
+          <p:cNvPr id="2" name="19 Conector recto de flecha">
+            <a:extLst>
+              <a:ext uri="{FF2B5EF4-FFF2-40B4-BE49-F238E27FC236}">
+                <a16:creationId xmlns:a16="http://schemas.microsoft.com/office/drawing/2014/main" id="{64CF160E-E559-4180-8756-9C425668637A}"/>
+              </a:ext>
+            </a:extLst>
+          </p:cNvPr>
+          <p:cNvCxnSpPr>
+            <a:cxnSpLocks/>
+            <a:stCxn id="7" idx="2"/>
+          </p:cNvCxnSpPr>
+          <p:nvPr/>
+        </p:nvCxnSpPr>
+        <p:spPr>
+          <a:xfrm flipH="1">
+            <a:off x="1200813" y="1413482"/>
+            <a:ext cx="1" cy="2420287"/>
+          </a:xfrm>
+          <a:prstGeom prst="straightConnector1">
+            <a:avLst/>
+          </a:prstGeom>
+          <a:ln>
+            <a:solidFill>
+              <a:schemeClr val="tx1"/>
+            </a:solidFill>
+            <a:headEnd type="triangle" w="lg" len="med"/>
+            <a:tailEnd type="triangle" w="lg" len="med"/>
+          </a:ln>
+        </p:spPr>
+        <p:style>
+          <a:lnRef idx="2">
+            <a:schemeClr val="accent1"/>
+          </a:lnRef>
+          <a:fillRef idx="0">
+            <a:schemeClr val="accent1"/>
+          </a:fillRef>
+          <a:effectRef idx="1">
+            <a:schemeClr val="accent1"/>
+          </a:effectRef>
+          <a:fontRef idx="minor">
+            <a:schemeClr val="tx1"/>
+          </a:fontRef>
+        </p:style>
+      </p:cxnSp>
+      <p:cxnSp>
+        <p:nvCxnSpPr>
+          <p:cNvPr id="3" name="20 Conector recto de flecha">
+            <a:extLst>
+              <a:ext uri="{FF2B5EF4-FFF2-40B4-BE49-F238E27FC236}">
+                <a16:creationId xmlns:a16="http://schemas.microsoft.com/office/drawing/2014/main" id="{9C0933D4-F445-4B5B-AC53-9F8F727F639B}"/>
+              </a:ext>
+            </a:extLst>
+          </p:cNvPr>
+          <p:cNvCxnSpPr>
+            <a:cxnSpLocks/>
+            <a:stCxn id="9" idx="1"/>
+            <a:endCxn id="8" idx="3"/>
+          </p:cNvCxnSpPr>
+          <p:nvPr/>
+        </p:nvCxnSpPr>
+        <p:spPr>
+          <a:xfrm flipH="1" flipV="1">
+            <a:off x="1726757" y="4172246"/>
+            <a:ext cx="4590127" cy="333"/>
+          </a:xfrm>
+          <a:prstGeom prst="straightConnector1">
+            <a:avLst/>
+          </a:prstGeom>
+          <a:ln>
+            <a:solidFill>
+              <a:schemeClr val="tx1"/>
+            </a:solidFill>
+            <a:headEnd type="triangle" w="lg" len="med"/>
+            <a:tailEnd type="triangle" w="lg" len="med"/>
+          </a:ln>
+        </p:spPr>
+        <p:style>
+          <a:lnRef idx="2">
+            <a:schemeClr val="accent1"/>
+          </a:lnRef>
+          <a:fillRef idx="0">
+            <a:schemeClr val="accent1"/>
+          </a:fillRef>
+          <a:effectRef idx="1">
+            <a:schemeClr val="accent1"/>
+          </a:effectRef>
+          <a:fontRef idx="minor">
+            <a:schemeClr val="tx1"/>
+          </a:fontRef>
+        </p:style>
+      </p:cxnSp>
+      <p:sp>
+        <p:nvSpPr>
+          <p:cNvPr id="4" name="10 CuadroTexto">
+            <a:extLst>
+              <a:ext uri="{FF2B5EF4-FFF2-40B4-BE49-F238E27FC236}">
+                <a16:creationId xmlns:a16="http://schemas.microsoft.com/office/drawing/2014/main" id="{2E9D644E-BCAB-406F-A946-A9B22E96EDAD}"/>
+              </a:ext>
+            </a:extLst>
+          </p:cNvPr>
+          <p:cNvSpPr txBox="1"/>
+          <p:nvPr/>
+        </p:nvSpPr>
+        <p:spPr>
+          <a:xfrm>
+            <a:off x="540044" y="2347201"/>
+            <a:ext cx="1119602" cy="338554"/>
+          </a:xfrm>
+          <a:prstGeom prst="rect">
+            <a:avLst/>
+          </a:prstGeom>
+          <a:solidFill>
+            <a:schemeClr val="bg1"/>
+          </a:solidFill>
+        </p:spPr>
+        <p:txBody>
+          <a:bodyPr wrap="none" rtlCol="0">
+            <a:spAutoFit/>
+          </a:bodyPr>
+          <a:lstStyle/>
+          <a:p>
+            <a:pPr algn="r"/>
+            <a:r>
+              <a:rPr lang="es-ES" sz="1600" dirty="0">
+                <a:latin typeface="Franklin Gothic Medium" panose="020B0603020102020204" pitchFamily="34" charset="0"/>
+              </a:rPr>
+              <a:t>problemas</a:t>
+            </a:r>
+          </a:p>
+        </p:txBody>
+      </p:sp>
+      <p:sp>
+        <p:nvSpPr>
+          <p:cNvPr id="5" name="14 CuadroTexto">
+            <a:extLst>
+              <a:ext uri="{FF2B5EF4-FFF2-40B4-BE49-F238E27FC236}">
+                <a16:creationId xmlns:a16="http://schemas.microsoft.com/office/drawing/2014/main" id="{B422B869-2B23-4777-BB66-7EF4F56750E6}"/>
+              </a:ext>
+            </a:extLst>
+          </p:cNvPr>
+          <p:cNvSpPr txBox="1"/>
+          <p:nvPr/>
+        </p:nvSpPr>
+        <p:spPr>
+          <a:xfrm>
+            <a:off x="3560118" y="4015665"/>
+            <a:ext cx="1112805" cy="338554"/>
+          </a:xfrm>
+          <a:prstGeom prst="rect">
+            <a:avLst/>
+          </a:prstGeom>
+          <a:solidFill>
+            <a:schemeClr val="bg1"/>
+          </a:solidFill>
+        </p:spPr>
+        <p:txBody>
+          <a:bodyPr wrap="none" rtlCol="0">
+            <a:spAutoFit/>
+          </a:bodyPr>
+          <a:lstStyle/>
+          <a:p>
+            <a:pPr algn="r"/>
+            <a:r>
+              <a:rPr lang="es-ES" sz="1600" dirty="0">
+                <a:latin typeface="Franklin Gothic Medium" panose="020B0603020102020204" pitchFamily="34" charset="0"/>
+              </a:rPr>
+              <a:t>soluciones</a:t>
+            </a:r>
+          </a:p>
+        </p:txBody>
+      </p:sp>
+      <p:sp>
+        <p:nvSpPr>
+          <p:cNvPr id="7" name="11 CuadroTexto">
+            <a:extLst>
+              <a:ext uri="{FF2B5EF4-FFF2-40B4-BE49-F238E27FC236}">
+                <a16:creationId xmlns:a16="http://schemas.microsoft.com/office/drawing/2014/main" id="{B18D3976-8147-497A-B460-C06A9D949F4B}"/>
+              </a:ext>
+            </a:extLst>
+          </p:cNvPr>
+          <p:cNvSpPr txBox="1"/>
+          <p:nvPr/>
+        </p:nvSpPr>
+        <p:spPr>
+          <a:xfrm>
+            <a:off x="674868" y="1049536"/>
+            <a:ext cx="1051891" cy="363946"/>
+          </a:xfrm>
+          <a:prstGeom prst="rect">
+            <a:avLst/>
+          </a:prstGeom>
+          <a:noFill/>
+        </p:spPr>
+        <p:txBody>
+          <a:bodyPr wrap="none" rtlCol="0">
+            <a:spAutoFit/>
+          </a:bodyPr>
+          <a:lstStyle/>
+          <a:p>
+            <a:pPr algn="r">
+              <a:lnSpc>
+                <a:spcPts val="1000"/>
+              </a:lnSpc>
+            </a:pPr>
+            <a:r>
+              <a:rPr lang="es-ES" sz="1600" dirty="0">
+                <a:latin typeface="Franklin Gothic Medium" panose="020B0603020102020204" pitchFamily="34" charset="0"/>
+              </a:rPr>
+              <a:t>inusuales</a:t>
+            </a:r>
+          </a:p>
+          <a:p>
+            <a:pPr algn="r">
+              <a:lnSpc>
+                <a:spcPts val="1000"/>
+              </a:lnSpc>
+            </a:pPr>
+            <a:r>
+              <a:rPr lang="es-ES" sz="1600" dirty="0">
+                <a:latin typeface="Franklin Gothic Medium" panose="020B0603020102020204" pitchFamily="34" charset="0"/>
+              </a:rPr>
+              <a:t>ambiguos</a:t>
+            </a:r>
+          </a:p>
+        </p:txBody>
+      </p:sp>
+      <p:sp>
+        <p:nvSpPr>
+          <p:cNvPr id="8" name="12 CuadroTexto">
+            <a:extLst>
+              <a:ext uri="{FF2B5EF4-FFF2-40B4-BE49-F238E27FC236}">
+                <a16:creationId xmlns:a16="http://schemas.microsoft.com/office/drawing/2014/main" id="{43D194D0-A258-4B7B-B087-D6DB8AA32534}"/>
+              </a:ext>
+            </a:extLst>
+          </p:cNvPr>
+          <p:cNvSpPr txBox="1"/>
+          <p:nvPr/>
+        </p:nvSpPr>
+        <p:spPr>
+          <a:xfrm>
+            <a:off x="308997" y="3990273"/>
+            <a:ext cx="1417760" cy="363946"/>
+          </a:xfrm>
+          <a:prstGeom prst="rect">
+            <a:avLst/>
+          </a:prstGeom>
+          <a:noFill/>
+        </p:spPr>
+        <p:txBody>
+          <a:bodyPr wrap="none" rtlCol="0">
+            <a:spAutoFit/>
+          </a:bodyPr>
+          <a:lstStyle/>
+          <a:p>
+            <a:pPr algn="r">
+              <a:lnSpc>
+                <a:spcPts val="1000"/>
+              </a:lnSpc>
+            </a:pPr>
+            <a:r>
+              <a:rPr lang="es-ES" sz="1600" dirty="0">
+                <a:latin typeface="Franklin Gothic Medium" panose="020B0603020102020204" pitchFamily="34" charset="0"/>
+              </a:rPr>
+              <a:t>conocidos y</a:t>
+            </a:r>
+          </a:p>
+          <a:p>
+            <a:pPr algn="r">
+              <a:lnSpc>
+                <a:spcPts val="1000"/>
+              </a:lnSpc>
+            </a:pPr>
+            <a:r>
+              <a:rPr lang="es-ES" sz="1600" dirty="0">
+                <a:latin typeface="Franklin Gothic Medium" panose="020B0603020102020204" pitchFamily="34" charset="0"/>
+              </a:rPr>
+              <a:t>bien definidos</a:t>
+            </a:r>
+          </a:p>
+        </p:txBody>
+      </p:sp>
+      <p:sp>
+        <p:nvSpPr>
+          <p:cNvPr id="9" name="13 CuadroTexto">
+            <a:extLst>
+              <a:ext uri="{FF2B5EF4-FFF2-40B4-BE49-F238E27FC236}">
+                <a16:creationId xmlns:a16="http://schemas.microsoft.com/office/drawing/2014/main" id="{CDF1C276-ABCB-4428-8E49-4CF090616D9A}"/>
+              </a:ext>
+            </a:extLst>
+          </p:cNvPr>
+          <p:cNvSpPr txBox="1"/>
+          <p:nvPr/>
+        </p:nvSpPr>
+        <p:spPr>
+          <a:xfrm>
+            <a:off x="6316884" y="3990606"/>
+            <a:ext cx="1210589" cy="363946"/>
+          </a:xfrm>
+          <a:prstGeom prst="rect">
+            <a:avLst/>
+          </a:prstGeom>
+          <a:noFill/>
+        </p:spPr>
+        <p:txBody>
+          <a:bodyPr wrap="none" rtlCol="0">
+            <a:spAutoFit/>
+          </a:bodyPr>
+          <a:lstStyle/>
+          <a:p>
+            <a:pPr algn="r">
+              <a:lnSpc>
+                <a:spcPts val="1000"/>
+              </a:lnSpc>
+            </a:pPr>
+            <a:r>
+              <a:rPr lang="es-ES" sz="1600" dirty="0">
+                <a:latin typeface="Franklin Gothic Medium" panose="020B0603020102020204" pitchFamily="34" charset="0"/>
+              </a:rPr>
+              <a:t>ambiguas y</a:t>
+            </a:r>
+          </a:p>
+          <a:p>
+            <a:pPr algn="r">
+              <a:lnSpc>
+                <a:spcPts val="1000"/>
+              </a:lnSpc>
+            </a:pPr>
+            <a:r>
+              <a:rPr lang="es-ES" sz="1600" dirty="0">
+                <a:latin typeface="Franklin Gothic Medium" panose="020B0603020102020204" pitchFamily="34" charset="0"/>
+              </a:rPr>
+              <a:t>arriesgadas</a:t>
+            </a:r>
+          </a:p>
+        </p:txBody>
+      </p:sp>
+      <p:sp>
+        <p:nvSpPr>
+          <p:cNvPr id="10" name="15 Rectángulo">
+            <a:extLst>
+              <a:ext uri="{FF2B5EF4-FFF2-40B4-BE49-F238E27FC236}">
+                <a16:creationId xmlns:a16="http://schemas.microsoft.com/office/drawing/2014/main" id="{FE67E8E3-5088-4ABF-B031-D3B8F53C1D2A}"/>
+              </a:ext>
+            </a:extLst>
+          </p:cNvPr>
+          <p:cNvSpPr/>
+          <p:nvPr/>
+        </p:nvSpPr>
+        <p:spPr>
+          <a:xfrm>
+            <a:off x="1726757" y="3379925"/>
+            <a:ext cx="1417761" cy="584775"/>
+          </a:xfrm>
+          <a:prstGeom prst="rect">
+            <a:avLst/>
+          </a:prstGeom>
+          <a:noFill/>
+        </p:spPr>
+        <p:txBody>
+          <a:bodyPr wrap="square" rtlCol="0">
+            <a:spAutoFit/>
+          </a:bodyPr>
+          <a:lstStyle/>
+          <a:p>
+            <a:pPr algn="ctr"/>
+            <a:r>
+              <a:rPr lang="es-ES" sz="1600" dirty="0">
+                <a:solidFill>
+                  <a:schemeClr val="tx1"/>
+                </a:solidFill>
+                <a:latin typeface="Franklin Gothic Medium" panose="020B0603020102020204" pitchFamily="34" charset="0"/>
+              </a:rPr>
+              <a:t>DECISIONES RUTINARIAS</a:t>
+            </a:r>
+          </a:p>
+        </p:txBody>
+      </p:sp>
+      <p:sp>
+        <p:nvSpPr>
+          <p:cNvPr id="11" name="16 Rectángulo">
+            <a:extLst>
+              <a:ext uri="{FF2B5EF4-FFF2-40B4-BE49-F238E27FC236}">
+                <a16:creationId xmlns:a16="http://schemas.microsoft.com/office/drawing/2014/main" id="{E953EA7B-F259-45D5-9AF2-411E279A26E4}"/>
+              </a:ext>
+            </a:extLst>
+          </p:cNvPr>
+          <p:cNvSpPr/>
+          <p:nvPr/>
+        </p:nvSpPr>
+        <p:spPr>
+          <a:xfrm>
+            <a:off x="3707174" y="2159528"/>
+            <a:ext cx="1931498" cy="584775"/>
+          </a:xfrm>
+          <a:prstGeom prst="rect">
+            <a:avLst/>
+          </a:prstGeom>
+          <a:noFill/>
+        </p:spPr>
+        <p:txBody>
+          <a:bodyPr wrap="square" rtlCol="0">
+            <a:spAutoFit/>
+          </a:bodyPr>
+          <a:lstStyle/>
+          <a:p>
+            <a:pPr algn="ctr"/>
+            <a:r>
+              <a:rPr lang="es-ES" sz="1600" dirty="0">
+                <a:solidFill>
+                  <a:schemeClr val="tx1"/>
+                </a:solidFill>
+                <a:latin typeface="Franklin Gothic Medium" panose="020B0603020102020204" pitchFamily="34" charset="0"/>
+              </a:rPr>
+              <a:t>DECISIONES ADAPTATIVAS</a:t>
+            </a:r>
+          </a:p>
+        </p:txBody>
+      </p:sp>
+      <p:sp>
+        <p:nvSpPr>
+          <p:cNvPr id="12" name="17 Rectángulo">
+            <a:extLst>
+              <a:ext uri="{FF2B5EF4-FFF2-40B4-BE49-F238E27FC236}">
+                <a16:creationId xmlns:a16="http://schemas.microsoft.com/office/drawing/2014/main" id="{0AED4079-387E-4DD7-B263-52F9BFF39DF2}"/>
+              </a:ext>
+            </a:extLst>
+          </p:cNvPr>
+          <p:cNvSpPr/>
+          <p:nvPr/>
+        </p:nvSpPr>
+        <p:spPr>
+          <a:xfrm>
+            <a:off x="5985988" y="1049534"/>
+            <a:ext cx="1541485" cy="584775"/>
+          </a:xfrm>
+          <a:prstGeom prst="rect">
+            <a:avLst/>
+          </a:prstGeom>
+          <a:noFill/>
+        </p:spPr>
+        <p:txBody>
+          <a:bodyPr wrap="square" rtlCol="0">
+            <a:spAutoFit/>
+          </a:bodyPr>
+          <a:lstStyle/>
+          <a:p>
+            <a:pPr algn="ctr"/>
+            <a:r>
+              <a:rPr lang="es-ES" sz="1600" dirty="0">
+                <a:solidFill>
+                  <a:schemeClr val="tx1"/>
+                </a:solidFill>
+                <a:latin typeface="Franklin Gothic Medium" panose="020B0603020102020204" pitchFamily="34" charset="0"/>
+              </a:rPr>
+              <a:t>DECISIONES INNOVADORAS</a:t>
+            </a:r>
+          </a:p>
+        </p:txBody>
+      </p:sp>
+    </p:spTree>
+    <p:extLst>
+      <p:ext uri="{BB962C8B-B14F-4D97-AF65-F5344CB8AC3E}">
+        <p14:creationId xmlns:p14="http://schemas.microsoft.com/office/powerpoint/2010/main" val="2435182353"/>
+      </p:ext>
+    </p:extLst>
+  </p:cSld>
+  <p:clrMapOvr>
+    <a:masterClrMapping/>
+  </p:clrMapOvr>
+</p:sld>
+</file>
+
+<file path=ppt/slides/slide8.xml><?xml version="1.0" encoding="utf-8"?>
+<p:sld xmlns:a="http://schemas.openxmlformats.org/drawingml/2006/main" xmlns:r="http://schemas.openxmlformats.org/officeDocument/2006/relationships" xmlns:p="http://schemas.openxmlformats.org/presentationml/2006/main">
+  <p:cSld>
+    <p:spTree>
+      <p:nvGrpSpPr>
+        <p:cNvPr id="1" name=""/>
+        <p:cNvGrpSpPr/>
+        <p:nvPr/>
+      </p:nvGrpSpPr>
+      <p:grpSpPr>
+        <a:xfrm>
+          <a:off x="0" y="0"/>
+          <a:ext cx="0" cy="0"/>
+          <a:chOff x="0" y="0"/>
+          <a:chExt cx="0" cy="0"/>
+        </a:xfrm>
+      </p:grpSpPr>
+      <p:sp>
+        <p:nvSpPr>
+          <p:cNvPr id="2" name="12 Rectángulo">
+            <a:extLst>
+              <a:ext uri="{FF2B5EF4-FFF2-40B4-BE49-F238E27FC236}">
+                <a16:creationId xmlns:a16="http://schemas.microsoft.com/office/drawing/2014/main" id="{BA868E78-CC1E-4E73-82D7-0CF015632A17}"/>
+              </a:ext>
+            </a:extLst>
+          </p:cNvPr>
+          <p:cNvSpPr/>
+          <p:nvPr/>
+        </p:nvSpPr>
+        <p:spPr>
+          <a:xfrm>
+            <a:off x="1612050" y="435504"/>
+            <a:ext cx="5760640" cy="3600400"/>
+          </a:xfrm>
+          <a:prstGeom prst="rect">
+            <a:avLst/>
+          </a:prstGeom>
+          <a:solidFill>
+            <a:schemeClr val="accent6">
+              <a:lumMod val="60000"/>
+              <a:lumOff val="40000"/>
+            </a:schemeClr>
+          </a:solidFill>
+          <a:ln>
+            <a:noFill/>
+          </a:ln>
+        </p:spPr>
+        <p:style>
+          <a:lnRef idx="1">
+            <a:schemeClr val="accent2"/>
+          </a:lnRef>
+          <a:fillRef idx="2">
+            <a:schemeClr val="accent2"/>
+          </a:fillRef>
+          <a:effectRef idx="1">
+            <a:schemeClr val="accent2"/>
+          </a:effectRef>
+          <a:fontRef idx="minor">
+            <a:schemeClr val="dk1"/>
+          </a:fontRef>
+        </p:style>
+        <p:txBody>
+          <a:bodyPr rtlCol="0" anchor="ctr"/>
+          <a:lstStyle/>
+          <a:p>
+            <a:pPr algn="ctr"/>
+            <a:endParaRPr lang="es-ES" cap="small" dirty="0">
+              <a:solidFill>
+                <a:schemeClr val="tx1"/>
+              </a:solidFill>
+              <a:latin typeface="Franklin Gothic Medium" panose="020B0603020102020204" pitchFamily="34" charset="0"/>
+            </a:endParaRPr>
+          </a:p>
+        </p:txBody>
+      </p:sp>
+      <p:sp>
+        <p:nvSpPr>
+          <p:cNvPr id="3" name="13 Rectángulo">
+            <a:extLst>
+              <a:ext uri="{FF2B5EF4-FFF2-40B4-BE49-F238E27FC236}">
+                <a16:creationId xmlns:a16="http://schemas.microsoft.com/office/drawing/2014/main" id="{AC106670-6E5E-421E-9C32-B701297F2B3C}"/>
+              </a:ext>
+            </a:extLst>
+          </p:cNvPr>
+          <p:cNvSpPr/>
+          <p:nvPr/>
+        </p:nvSpPr>
+        <p:spPr>
+          <a:xfrm>
+            <a:off x="6220562" y="4179920"/>
+            <a:ext cx="2160240" cy="360040"/>
+          </a:xfrm>
+          <a:prstGeom prst="rect">
+            <a:avLst/>
+          </a:prstGeom>
+          <a:noFill/>
+          <a:ln>
+            <a:solidFill>
+              <a:schemeClr val="bg1"/>
+            </a:solidFill>
+          </a:ln>
+        </p:spPr>
+        <p:style>
+          <a:lnRef idx="1">
+            <a:schemeClr val="accent4"/>
+          </a:lnRef>
+          <a:fillRef idx="2">
+            <a:schemeClr val="accent4"/>
+          </a:fillRef>
+          <a:effectRef idx="1">
+            <a:schemeClr val="accent4"/>
+          </a:effectRef>
+          <a:fontRef idx="minor">
+            <a:schemeClr val="dk1"/>
+          </a:fontRef>
+        </p:style>
+        <p:txBody>
+          <a:bodyPr rtlCol="0" anchor="ctr"/>
+          <a:lstStyle/>
+          <a:p>
+            <a:pPr algn="ctr"/>
+            <a:r>
+              <a:rPr lang="es-ES" cap="small" dirty="0">
+                <a:solidFill>
+                  <a:schemeClr val="tx1"/>
+                </a:solidFill>
+                <a:latin typeface="Franklin Gothic Medium" panose="020B0603020102020204" pitchFamily="34" charset="0"/>
+              </a:rPr>
+              <a:t>Alta Dirección</a:t>
+            </a:r>
+          </a:p>
+        </p:txBody>
+      </p:sp>
+      <p:sp>
+        <p:nvSpPr>
+          <p:cNvPr id="4" name="14 Rectángulo">
+            <a:extLst>
+              <a:ext uri="{FF2B5EF4-FFF2-40B4-BE49-F238E27FC236}">
+                <a16:creationId xmlns:a16="http://schemas.microsoft.com/office/drawing/2014/main" id="{4B98F8AE-F161-4B68-9E7D-5D99C6BE0D1F}"/>
+              </a:ext>
+            </a:extLst>
+          </p:cNvPr>
+          <p:cNvSpPr/>
+          <p:nvPr/>
+        </p:nvSpPr>
+        <p:spPr>
+          <a:xfrm>
+            <a:off x="648012" y="4179920"/>
+            <a:ext cx="2160240" cy="360040"/>
+          </a:xfrm>
+          <a:prstGeom prst="rect">
+            <a:avLst/>
+          </a:prstGeom>
+          <a:noFill/>
+          <a:ln>
+            <a:solidFill>
+              <a:schemeClr val="bg1"/>
+            </a:solidFill>
+          </a:ln>
+        </p:spPr>
+        <p:style>
+          <a:lnRef idx="1">
+            <a:schemeClr val="accent5"/>
+          </a:lnRef>
+          <a:fillRef idx="2">
+            <a:schemeClr val="accent5"/>
+          </a:fillRef>
+          <a:effectRef idx="1">
+            <a:schemeClr val="accent5"/>
+          </a:effectRef>
+          <a:fontRef idx="minor">
+            <a:schemeClr val="dk1"/>
+          </a:fontRef>
+        </p:style>
+        <p:txBody>
+          <a:bodyPr rtlCol="0" anchor="ctr"/>
+          <a:lstStyle/>
+          <a:p>
+            <a:pPr algn="ctr"/>
+            <a:r>
+              <a:rPr lang="es-ES" cap="small" dirty="0">
+                <a:solidFill>
+                  <a:schemeClr val="tx1"/>
+                </a:solidFill>
+                <a:latin typeface="Franklin Gothic Medium" panose="020B0603020102020204" pitchFamily="34" charset="0"/>
+              </a:rPr>
+              <a:t>Primera Línea</a:t>
+            </a:r>
+          </a:p>
+        </p:txBody>
+      </p:sp>
+      <p:sp>
+        <p:nvSpPr>
+          <p:cNvPr id="5" name="15 Rectángulo">
+            <a:extLst>
+              <a:ext uri="{FF2B5EF4-FFF2-40B4-BE49-F238E27FC236}">
+                <a16:creationId xmlns:a16="http://schemas.microsoft.com/office/drawing/2014/main" id="{1D4700BA-AB2C-41AC-9257-34952C0F243B}"/>
+              </a:ext>
+            </a:extLst>
+          </p:cNvPr>
+          <p:cNvSpPr/>
+          <p:nvPr/>
+        </p:nvSpPr>
+        <p:spPr>
+          <a:xfrm>
+            <a:off x="3434287" y="4179920"/>
+            <a:ext cx="2160240" cy="360040"/>
+          </a:xfrm>
+          <a:prstGeom prst="rect">
+            <a:avLst/>
+          </a:prstGeom>
+          <a:noFill/>
+          <a:ln>
+            <a:solidFill>
+              <a:schemeClr val="bg1"/>
+            </a:solidFill>
+          </a:ln>
+        </p:spPr>
+        <p:style>
+          <a:lnRef idx="1">
+            <a:schemeClr val="accent2"/>
+          </a:lnRef>
+          <a:fillRef idx="2">
+            <a:schemeClr val="accent2"/>
+          </a:fillRef>
+          <a:effectRef idx="1">
+            <a:schemeClr val="accent2"/>
+          </a:effectRef>
+          <a:fontRef idx="minor">
+            <a:schemeClr val="dk1"/>
+          </a:fontRef>
+        </p:style>
+        <p:txBody>
+          <a:bodyPr rtlCol="0" anchor="ctr"/>
+          <a:lstStyle/>
+          <a:p>
+            <a:pPr algn="ctr"/>
+            <a:r>
+              <a:rPr lang="es-ES" cap="small" dirty="0">
+                <a:solidFill>
+                  <a:schemeClr val="tx1"/>
+                </a:solidFill>
+                <a:latin typeface="Franklin Gothic Medium" panose="020B0603020102020204" pitchFamily="34" charset="0"/>
+              </a:rPr>
+              <a:t>Mandos Inter.</a:t>
+            </a:r>
+          </a:p>
+        </p:txBody>
+      </p:sp>
+      <p:sp>
+        <p:nvSpPr>
+          <p:cNvPr id="6" name="16 Triángulo rectángulo">
+            <a:extLst>
+              <a:ext uri="{FF2B5EF4-FFF2-40B4-BE49-F238E27FC236}">
+                <a16:creationId xmlns:a16="http://schemas.microsoft.com/office/drawing/2014/main" id="{F4DC5329-05C3-4B43-A61C-50A51B31A7C8}"/>
+              </a:ext>
+            </a:extLst>
+          </p:cNvPr>
+          <p:cNvSpPr/>
+          <p:nvPr/>
+        </p:nvSpPr>
+        <p:spPr>
+          <a:xfrm>
+            <a:off x="1612050" y="2235704"/>
+            <a:ext cx="5760640" cy="1800200"/>
+          </a:xfrm>
+          <a:prstGeom prst="rtTriangle">
+            <a:avLst/>
+          </a:prstGeom>
+          <a:solidFill>
+            <a:schemeClr val="tx2">
+              <a:lumMod val="60000"/>
+              <a:lumOff val="40000"/>
+            </a:schemeClr>
+          </a:solidFill>
+          <a:ln>
+            <a:noFill/>
+          </a:ln>
+        </p:spPr>
+        <p:style>
+          <a:lnRef idx="1">
+            <a:schemeClr val="accent5"/>
+          </a:lnRef>
+          <a:fillRef idx="2">
+            <a:schemeClr val="accent5"/>
+          </a:fillRef>
+          <a:effectRef idx="1">
+            <a:schemeClr val="accent5"/>
+          </a:effectRef>
+          <a:fontRef idx="minor">
+            <a:schemeClr val="dk1"/>
+          </a:fontRef>
+        </p:style>
+        <p:txBody>
+          <a:bodyPr rtlCol="0" anchor="ctr"/>
+          <a:lstStyle/>
+          <a:p>
+            <a:pPr algn="ctr"/>
+            <a:endParaRPr lang="es-ES" cap="small" dirty="0">
+              <a:solidFill>
+                <a:schemeClr val="tx1"/>
+              </a:solidFill>
+              <a:latin typeface="Franklin Gothic Medium" panose="020B0603020102020204" pitchFamily="34" charset="0"/>
+            </a:endParaRPr>
+          </a:p>
+        </p:txBody>
+      </p:sp>
+      <p:sp>
+        <p:nvSpPr>
+          <p:cNvPr id="7" name="17 Triángulo rectángulo">
+            <a:extLst>
+              <a:ext uri="{FF2B5EF4-FFF2-40B4-BE49-F238E27FC236}">
+                <a16:creationId xmlns:a16="http://schemas.microsoft.com/office/drawing/2014/main" id="{206EEF40-6213-4AAC-BCD4-964AF501A51F}"/>
+              </a:ext>
+            </a:extLst>
+          </p:cNvPr>
+          <p:cNvSpPr/>
+          <p:nvPr/>
+        </p:nvSpPr>
+        <p:spPr>
+          <a:xfrm rot="10800000">
+            <a:off x="1612050" y="435504"/>
+            <a:ext cx="5760640" cy="1800200"/>
+          </a:xfrm>
+          <a:prstGeom prst="rtTriangle">
+            <a:avLst/>
+          </a:prstGeom>
+          <a:solidFill>
+            <a:schemeClr val="accent2">
+              <a:lumMod val="60000"/>
+              <a:lumOff val="40000"/>
+            </a:schemeClr>
+          </a:solidFill>
+          <a:ln>
+            <a:noFill/>
+          </a:ln>
+        </p:spPr>
+        <p:style>
+          <a:lnRef idx="1">
+            <a:schemeClr val="accent4"/>
+          </a:lnRef>
+          <a:fillRef idx="2">
+            <a:schemeClr val="accent4"/>
+          </a:fillRef>
+          <a:effectRef idx="1">
+            <a:schemeClr val="accent4"/>
+          </a:effectRef>
+          <a:fontRef idx="minor">
+            <a:schemeClr val="dk1"/>
+          </a:fontRef>
+        </p:style>
+        <p:txBody>
+          <a:bodyPr rtlCol="0" anchor="ctr"/>
+          <a:lstStyle/>
+          <a:p>
+            <a:pPr algn="ctr"/>
+            <a:endParaRPr lang="es-ES" cap="small" dirty="0">
+              <a:solidFill>
+                <a:schemeClr val="tx1"/>
+              </a:solidFill>
+              <a:latin typeface="Franklin Gothic Medium" panose="020B0603020102020204" pitchFamily="34" charset="0"/>
+            </a:endParaRPr>
+          </a:p>
+        </p:txBody>
+      </p:sp>
+      <p:sp>
+        <p:nvSpPr>
+          <p:cNvPr id="11" name="Rectángulo 10">
+            <a:extLst>
+              <a:ext uri="{FF2B5EF4-FFF2-40B4-BE49-F238E27FC236}">
+                <a16:creationId xmlns:a16="http://schemas.microsoft.com/office/drawing/2014/main" id="{6BE428D7-5789-4319-B378-DBF8713451B7}"/>
+              </a:ext>
+            </a:extLst>
+          </p:cNvPr>
+          <p:cNvSpPr/>
+          <p:nvPr/>
+        </p:nvSpPr>
+        <p:spPr>
+          <a:xfrm>
+            <a:off x="1484851" y="360727"/>
+            <a:ext cx="486562" cy="3819193"/>
+          </a:xfrm>
+          <a:prstGeom prst="rect">
+            <a:avLst/>
+          </a:prstGeom>
+          <a:noFill/>
+          <a:ln w="38100">
+            <a:solidFill>
+              <a:srgbClr val="C00000"/>
+            </a:solidFill>
+            <a:prstDash val="dash"/>
+          </a:ln>
+        </p:spPr>
+        <p:style>
+          <a:lnRef idx="2">
+            <a:schemeClr val="accent1">
+              <a:shade val="50000"/>
+            </a:schemeClr>
+          </a:lnRef>
+          <a:fillRef idx="1">
+            <a:schemeClr val="accent1"/>
+          </a:fillRef>
+          <a:effectRef idx="0">
+            <a:schemeClr val="accent1"/>
+          </a:effectRef>
+          <a:fontRef idx="minor">
+            <a:schemeClr val="lt1"/>
+          </a:fontRef>
+        </p:style>
+        <p:txBody>
+          <a:bodyPr rtlCol="0" anchor="ctr"/>
+          <a:lstStyle/>
+          <a:p>
+            <a:pPr algn="ctr"/>
+            <a:endParaRPr lang="es-ES"/>
+          </a:p>
+        </p:txBody>
+      </p:sp>
+      <p:sp>
+        <p:nvSpPr>
+          <p:cNvPr id="12" name="Rectángulo 11">
+            <a:extLst>
+              <a:ext uri="{FF2B5EF4-FFF2-40B4-BE49-F238E27FC236}">
+                <a16:creationId xmlns:a16="http://schemas.microsoft.com/office/drawing/2014/main" id="{0E25A5CE-1B34-4CC6-9368-385C17E474B8}"/>
+              </a:ext>
+            </a:extLst>
+          </p:cNvPr>
+          <p:cNvSpPr/>
+          <p:nvPr/>
+        </p:nvSpPr>
+        <p:spPr>
+          <a:xfrm>
+            <a:off x="7013327" y="360727"/>
+            <a:ext cx="486562" cy="3819193"/>
+          </a:xfrm>
+          <a:prstGeom prst="rect">
+            <a:avLst/>
+          </a:prstGeom>
+          <a:noFill/>
+          <a:ln w="38100">
+            <a:solidFill>
+              <a:srgbClr val="C00000"/>
+            </a:solidFill>
+            <a:prstDash val="dash"/>
+          </a:ln>
+        </p:spPr>
+        <p:style>
+          <a:lnRef idx="2">
+            <a:schemeClr val="accent1">
+              <a:shade val="50000"/>
+            </a:schemeClr>
+          </a:lnRef>
+          <a:fillRef idx="1">
+            <a:schemeClr val="accent1"/>
+          </a:fillRef>
+          <a:effectRef idx="0">
+            <a:schemeClr val="accent1"/>
+          </a:effectRef>
+          <a:fontRef idx="minor">
+            <a:schemeClr val="lt1"/>
+          </a:fontRef>
+        </p:style>
+        <p:txBody>
+          <a:bodyPr rtlCol="0" anchor="ctr"/>
+          <a:lstStyle/>
+          <a:p>
+            <a:pPr algn="ctr"/>
+            <a:endParaRPr lang="es-ES"/>
+          </a:p>
+        </p:txBody>
+      </p:sp>
+      <p:sp>
+        <p:nvSpPr>
+          <p:cNvPr id="13" name="Rectángulo 12">
+            <a:extLst>
+              <a:ext uri="{FF2B5EF4-FFF2-40B4-BE49-F238E27FC236}">
+                <a16:creationId xmlns:a16="http://schemas.microsoft.com/office/drawing/2014/main" id="{26F281B2-93F9-4DAA-803D-DA7D4C5F86DF}"/>
+              </a:ext>
+            </a:extLst>
+          </p:cNvPr>
+          <p:cNvSpPr/>
+          <p:nvPr/>
+        </p:nvSpPr>
+        <p:spPr>
+          <a:xfrm>
+            <a:off x="4249089" y="360727"/>
+            <a:ext cx="486562" cy="3819193"/>
+          </a:xfrm>
+          <a:prstGeom prst="rect">
+            <a:avLst/>
+          </a:prstGeom>
+          <a:noFill/>
+          <a:ln w="38100">
+            <a:solidFill>
+              <a:srgbClr val="C00000"/>
+            </a:solidFill>
+            <a:prstDash val="dash"/>
+          </a:ln>
+        </p:spPr>
+        <p:style>
+          <a:lnRef idx="2">
+            <a:schemeClr val="accent1">
+              <a:shade val="50000"/>
+            </a:schemeClr>
+          </a:lnRef>
+          <a:fillRef idx="1">
+            <a:schemeClr val="accent1"/>
+          </a:fillRef>
+          <a:effectRef idx="0">
+            <a:schemeClr val="accent1"/>
+          </a:effectRef>
+          <a:fontRef idx="minor">
+            <a:schemeClr val="lt1"/>
+          </a:fontRef>
+        </p:style>
+        <p:txBody>
+          <a:bodyPr rtlCol="0" anchor="ctr"/>
+          <a:lstStyle/>
+          <a:p>
+            <a:pPr algn="ctr"/>
+            <a:endParaRPr lang="es-ES"/>
+          </a:p>
+        </p:txBody>
+      </p:sp>
+      <p:sp>
+        <p:nvSpPr>
+          <p:cNvPr id="8" name="24 Rectángulo">
+            <a:extLst>
+              <a:ext uri="{FF2B5EF4-FFF2-40B4-BE49-F238E27FC236}">
+                <a16:creationId xmlns:a16="http://schemas.microsoft.com/office/drawing/2014/main" id="{B9B13792-5639-4795-8267-ACF4162656C9}"/>
+              </a:ext>
+            </a:extLst>
+          </p:cNvPr>
+          <p:cNvSpPr/>
+          <p:nvPr/>
+        </p:nvSpPr>
+        <p:spPr>
+          <a:xfrm>
+            <a:off x="4996426" y="507512"/>
+            <a:ext cx="2304256" cy="360040"/>
+          </a:xfrm>
+          <a:prstGeom prst="rect">
+            <a:avLst/>
+          </a:prstGeom>
+          <a:solidFill>
+            <a:schemeClr val="bg1">
+              <a:lumMod val="85000"/>
+            </a:schemeClr>
+          </a:solidFill>
+          <a:ln>
+            <a:noFill/>
+          </a:ln>
+        </p:spPr>
+        <p:style>
+          <a:lnRef idx="1">
+            <a:schemeClr val="accent4"/>
+          </a:lnRef>
+          <a:fillRef idx="2">
+            <a:schemeClr val="accent4"/>
+          </a:fillRef>
+          <a:effectRef idx="1">
+            <a:schemeClr val="accent4"/>
+          </a:effectRef>
+          <a:fontRef idx="minor">
+            <a:schemeClr val="dk1"/>
+          </a:fontRef>
+        </p:style>
+        <p:txBody>
+          <a:bodyPr rtlCol="0" anchor="ctr"/>
+          <a:lstStyle/>
+          <a:p>
+            <a:pPr algn="ctr"/>
+            <a:r>
+              <a:rPr lang="es-ES" cap="small" dirty="0">
+                <a:solidFill>
+                  <a:schemeClr val="tx1"/>
+                </a:solidFill>
+                <a:latin typeface="Franklin Gothic Medium" panose="020B0603020102020204" pitchFamily="34" charset="0"/>
+              </a:rPr>
+              <a:t>H. Conceptuales</a:t>
+            </a:r>
+          </a:p>
+        </p:txBody>
+      </p:sp>
+      <p:sp>
+        <p:nvSpPr>
+          <p:cNvPr id="9" name="25 Rectángulo">
+            <a:extLst>
+              <a:ext uri="{FF2B5EF4-FFF2-40B4-BE49-F238E27FC236}">
+                <a16:creationId xmlns:a16="http://schemas.microsoft.com/office/drawing/2014/main" id="{57EDF962-AD67-44D3-BC42-255C5E4B7489}"/>
+              </a:ext>
+            </a:extLst>
+          </p:cNvPr>
+          <p:cNvSpPr/>
+          <p:nvPr/>
+        </p:nvSpPr>
+        <p:spPr>
+          <a:xfrm>
+            <a:off x="3340242" y="2019680"/>
+            <a:ext cx="2304256" cy="360040"/>
+          </a:xfrm>
+          <a:prstGeom prst="rect">
+            <a:avLst/>
+          </a:prstGeom>
+          <a:solidFill>
+            <a:schemeClr val="bg1">
+              <a:lumMod val="85000"/>
+            </a:schemeClr>
+          </a:solidFill>
+          <a:ln>
+            <a:noFill/>
+          </a:ln>
+        </p:spPr>
+        <p:style>
+          <a:lnRef idx="1">
+            <a:schemeClr val="accent2"/>
+          </a:lnRef>
+          <a:fillRef idx="2">
+            <a:schemeClr val="accent2"/>
+          </a:fillRef>
+          <a:effectRef idx="1">
+            <a:schemeClr val="accent2"/>
+          </a:effectRef>
+          <a:fontRef idx="minor">
+            <a:schemeClr val="dk1"/>
+          </a:fontRef>
+        </p:style>
+        <p:txBody>
+          <a:bodyPr rtlCol="0" anchor="ctr"/>
+          <a:lstStyle/>
+          <a:p>
+            <a:pPr algn="ctr"/>
+            <a:r>
+              <a:rPr lang="es-ES" cap="small" dirty="0">
+                <a:solidFill>
+                  <a:schemeClr val="tx1"/>
+                </a:solidFill>
+                <a:latin typeface="Franklin Gothic Medium" panose="020B0603020102020204" pitchFamily="34" charset="0"/>
+              </a:rPr>
+              <a:t>H. Humanas</a:t>
+            </a:r>
+          </a:p>
+        </p:txBody>
+      </p:sp>
+      <p:sp>
+        <p:nvSpPr>
+          <p:cNvPr id="10" name="26 Rectángulo redondeado">
+            <a:extLst>
+              <a:ext uri="{FF2B5EF4-FFF2-40B4-BE49-F238E27FC236}">
+                <a16:creationId xmlns:a16="http://schemas.microsoft.com/office/drawing/2014/main" id="{8F0BA306-BDA0-4415-8431-A0133AC9361D}"/>
+              </a:ext>
+            </a:extLst>
+          </p:cNvPr>
+          <p:cNvSpPr/>
+          <p:nvPr/>
+        </p:nvSpPr>
+        <p:spPr>
+          <a:xfrm>
+            <a:off x="1684058" y="3603856"/>
+            <a:ext cx="2160240" cy="360040"/>
+          </a:xfrm>
+          <a:prstGeom prst="rect">
+            <a:avLst/>
+          </a:prstGeom>
+          <a:solidFill>
+            <a:schemeClr val="bg1">
+              <a:lumMod val="85000"/>
+            </a:schemeClr>
+          </a:solidFill>
+          <a:ln>
+            <a:noFill/>
+          </a:ln>
+        </p:spPr>
+        <p:style>
+          <a:lnRef idx="1">
+            <a:schemeClr val="accent5"/>
+          </a:lnRef>
+          <a:fillRef idx="2">
+            <a:schemeClr val="accent5"/>
+          </a:fillRef>
+          <a:effectRef idx="1">
+            <a:schemeClr val="accent5"/>
+          </a:effectRef>
+          <a:fontRef idx="minor">
+            <a:schemeClr val="dk1"/>
+          </a:fontRef>
+        </p:style>
+        <p:txBody>
+          <a:bodyPr rtlCol="0" anchor="ctr"/>
+          <a:lstStyle/>
+          <a:p>
+            <a:pPr algn="ctr"/>
+            <a:r>
+              <a:rPr lang="es-ES" cap="small" dirty="0">
+                <a:solidFill>
+                  <a:schemeClr val="tx1"/>
+                </a:solidFill>
+                <a:latin typeface="Franklin Gothic Medium" panose="020B0603020102020204" pitchFamily="34" charset="0"/>
+              </a:rPr>
+              <a:t>H. Técnicas</a:t>
+            </a:r>
+          </a:p>
+        </p:txBody>
+      </p:sp>
+    </p:spTree>
+    <p:extLst>
+      <p:ext uri="{BB962C8B-B14F-4D97-AF65-F5344CB8AC3E}">
+        <p14:creationId xmlns:p14="http://schemas.microsoft.com/office/powerpoint/2010/main" val="1645372752"/>
+      </p:ext>
+    </p:extLst>
+  </p:cSld>
+  <p:clrMapOvr>
+    <a:masterClrMapping/>
+  </p:clrMapOvr>
+</p:sld>
+</file>
+
 <file path=ppt/theme/theme1.xml><?xml version="1.0" encoding="utf-8"?>
 <a:theme xmlns:a="http://schemas.openxmlformats.org/drawingml/2006/main" name="Tema de Office">
   <a:themeElements>
